--- a/GenotypeCalling_RouteMap.pptx
+++ b/GenotypeCalling_RouteMap.pptx
@@ -10721,23 +10721,7 @@
                   <a:srgbClr val="0070C0"/>
                 </a:solidFill>
               </a:rPr>
-              <a:t>include all polymorphic sites (</a:t>
-            </a:r>
-            <a:r>
-              <a:rPr lang="en-GB" b="1" dirty="0" err="1">
-                <a:solidFill>
-                  <a:srgbClr val="0070C0"/>
-                </a:solidFill>
-              </a:rPr>
-              <a:t>biallic</a:t>
-            </a:r>
-            <a:r>
-              <a:rPr lang="en-GB" b="1" dirty="0">
-                <a:solidFill>
-                  <a:srgbClr val="0070C0"/>
-                </a:solidFill>
-              </a:rPr>
-              <a:t> AND multiallelic)   </a:t>
+              <a:t>include all polymorphic sites (biallelic AND multiallelic)   </a:t>
             </a:r>
             <a:endParaRPr lang="LID4096" b="1" dirty="0">
               <a:solidFill>

--- a/GenotypeCalling_RouteMap.pptx
+++ b/GenotypeCalling_RouteMap.pptx
@@ -197,7 +197,7 @@
           <a:p>
             <a:fld id="{B41B6219-C1ED-428F-B81A-B6A035A6C858}" type="datetimeFigureOut">
               <a:rPr lang="LID4096" smtClean="0"/>
-              <a:t>03/18/2025</a:t>
+              <a:t>03/19/2025</a:t>
             </a:fld>
             <a:endParaRPr lang="LID4096"/>
           </a:p>
@@ -685,7 +685,7 @@
           <a:p>
             <a:fld id="{805267E5-C4E8-461F-A01C-7BDA19FE0128}" type="datetimeFigureOut">
               <a:rPr lang="LID4096" smtClean="0"/>
-              <a:t>03/18/2025</a:t>
+              <a:t>03/19/2025</a:t>
             </a:fld>
             <a:endParaRPr lang="LID4096"/>
           </a:p>
@@ -855,7 +855,7 @@
           <a:p>
             <a:fld id="{805267E5-C4E8-461F-A01C-7BDA19FE0128}" type="datetimeFigureOut">
               <a:rPr lang="LID4096" smtClean="0"/>
-              <a:t>03/18/2025</a:t>
+              <a:t>03/19/2025</a:t>
             </a:fld>
             <a:endParaRPr lang="LID4096"/>
           </a:p>
@@ -1035,7 +1035,7 @@
           <a:p>
             <a:fld id="{805267E5-C4E8-461F-A01C-7BDA19FE0128}" type="datetimeFigureOut">
               <a:rPr lang="LID4096" smtClean="0"/>
-              <a:t>03/18/2025</a:t>
+              <a:t>03/19/2025</a:t>
             </a:fld>
             <a:endParaRPr lang="LID4096"/>
           </a:p>
@@ -1205,7 +1205,7 @@
           <a:p>
             <a:fld id="{805267E5-C4E8-461F-A01C-7BDA19FE0128}" type="datetimeFigureOut">
               <a:rPr lang="LID4096" smtClean="0"/>
-              <a:t>03/18/2025</a:t>
+              <a:t>03/19/2025</a:t>
             </a:fld>
             <a:endParaRPr lang="LID4096"/>
           </a:p>
@@ -1449,7 +1449,7 @@
           <a:p>
             <a:fld id="{805267E5-C4E8-461F-A01C-7BDA19FE0128}" type="datetimeFigureOut">
               <a:rPr lang="LID4096" smtClean="0"/>
-              <a:t>03/18/2025</a:t>
+              <a:t>03/19/2025</a:t>
             </a:fld>
             <a:endParaRPr lang="LID4096"/>
           </a:p>
@@ -1681,7 +1681,7 @@
           <a:p>
             <a:fld id="{805267E5-C4E8-461F-A01C-7BDA19FE0128}" type="datetimeFigureOut">
               <a:rPr lang="LID4096" smtClean="0"/>
-              <a:t>03/18/2025</a:t>
+              <a:t>03/19/2025</a:t>
             </a:fld>
             <a:endParaRPr lang="LID4096"/>
           </a:p>
@@ -2048,7 +2048,7 @@
           <a:p>
             <a:fld id="{805267E5-C4E8-461F-A01C-7BDA19FE0128}" type="datetimeFigureOut">
               <a:rPr lang="LID4096" smtClean="0"/>
-              <a:t>03/18/2025</a:t>
+              <a:t>03/19/2025</a:t>
             </a:fld>
             <a:endParaRPr lang="LID4096"/>
           </a:p>
@@ -2166,7 +2166,7 @@
           <a:p>
             <a:fld id="{805267E5-C4E8-461F-A01C-7BDA19FE0128}" type="datetimeFigureOut">
               <a:rPr lang="LID4096" smtClean="0"/>
-              <a:t>03/18/2025</a:t>
+              <a:t>03/19/2025</a:t>
             </a:fld>
             <a:endParaRPr lang="LID4096"/>
           </a:p>
@@ -2261,7 +2261,7 @@
           <a:p>
             <a:fld id="{805267E5-C4E8-461F-A01C-7BDA19FE0128}" type="datetimeFigureOut">
               <a:rPr lang="LID4096" smtClean="0"/>
-              <a:t>03/18/2025</a:t>
+              <a:t>03/19/2025</a:t>
             </a:fld>
             <a:endParaRPr lang="LID4096"/>
           </a:p>
@@ -2538,7 +2538,7 @@
           <a:p>
             <a:fld id="{805267E5-C4E8-461F-A01C-7BDA19FE0128}" type="datetimeFigureOut">
               <a:rPr lang="LID4096" smtClean="0"/>
-              <a:t>03/18/2025</a:t>
+              <a:t>03/19/2025</a:t>
             </a:fld>
             <a:endParaRPr lang="LID4096"/>
           </a:p>
@@ -2795,7 +2795,7 @@
           <a:p>
             <a:fld id="{805267E5-C4E8-461F-A01C-7BDA19FE0128}" type="datetimeFigureOut">
               <a:rPr lang="LID4096" smtClean="0"/>
-              <a:t>03/18/2025</a:t>
+              <a:t>03/19/2025</a:t>
             </a:fld>
             <a:endParaRPr lang="LID4096"/>
           </a:p>
@@ -3008,7 +3008,7 @@
           <a:p>
             <a:fld id="{805267E5-C4E8-461F-A01C-7BDA19FE0128}" type="datetimeFigureOut">
               <a:rPr lang="LID4096" smtClean="0"/>
-              <a:t>03/18/2025</a:t>
+              <a:t>03/19/2025</a:t>
             </a:fld>
             <a:endParaRPr lang="LID4096"/>
           </a:p>
@@ -4327,14 +4327,13 @@
           </p:cNvPr>
           <p:cNvCxnSpPr>
             <a:cxnSpLocks/>
-            <a:endCxn id="5" idx="0"/>
           </p:cNvCxnSpPr>
           <p:nvPr/>
         </p:nvCxnSpPr>
         <p:spPr>
           <a:xfrm>
-            <a:off x="6901203" y="6720554"/>
-            <a:ext cx="0" cy="1119938"/>
+            <a:off x="6881735" y="6705941"/>
+            <a:ext cx="0" cy="1134551"/>
           </a:xfrm>
           <a:prstGeom prst="straightConnector1">
             <a:avLst/>
@@ -5237,7 +5236,7 @@
         </p:nvCxnSpPr>
         <p:spPr>
           <a:xfrm flipV="1">
-            <a:off x="8468067" y="8023946"/>
+            <a:off x="8468067" y="7985846"/>
             <a:ext cx="1260000" cy="0"/>
           </a:xfrm>
           <a:prstGeom prst="straightConnector1">
@@ -6963,7 +6962,7 @@
         </p:nvSpPr>
         <p:spPr bwMode="auto">
           <a:xfrm>
-            <a:off x="5864974" y="12694965"/>
+            <a:off x="5077574" y="12520792"/>
             <a:ext cx="1977596" cy="208764"/>
           </a:xfrm>
           <a:prstGeom prst="rect">
@@ -7582,7 +7581,7 @@
         </p:nvCxnSpPr>
         <p:spPr>
           <a:xfrm>
-            <a:off x="6881735" y="3602288"/>
+            <a:off x="6881735" y="3557976"/>
             <a:ext cx="0" cy="449999"/>
           </a:xfrm>
           <a:prstGeom prst="straightConnector1">
@@ -8025,7 +8024,7 @@
         </p:nvSpPr>
         <p:spPr bwMode="auto">
           <a:xfrm>
-            <a:off x="1407064" y="14134047"/>
+            <a:off x="1378036" y="14134047"/>
             <a:ext cx="3129963" cy="973541"/>
           </a:xfrm>
           <a:prstGeom prst="rect">
@@ -8331,7 +8330,7 @@
         <p:spPr>
           <a:xfrm>
             <a:off x="12640807" y="7345020"/>
-            <a:ext cx="3264064" cy="1039286"/>
+            <a:ext cx="3264064" cy="853858"/>
           </a:xfrm>
           <a:prstGeom prst="rect">
             <a:avLst/>
@@ -8381,14 +8380,13 @@
           </p:cNvPr>
           <p:cNvCxnSpPr>
             <a:cxnSpLocks/>
-            <a:endCxn id="190" idx="1"/>
           </p:cNvCxnSpPr>
           <p:nvPr/>
         </p:nvCxnSpPr>
         <p:spPr>
           <a:xfrm>
-            <a:off x="11875635" y="7998520"/>
-            <a:ext cx="1575428" cy="10855"/>
+            <a:off x="11837537" y="7986473"/>
+            <a:ext cx="1613526" cy="0"/>
           </a:xfrm>
           <a:prstGeom prst="straightConnector1">
             <a:avLst/>
@@ -9077,8 +9075,8 @@
         </p:nvSpPr>
         <p:spPr bwMode="auto">
           <a:xfrm>
-            <a:off x="13451063" y="7878632"/>
-            <a:ext cx="2279114" cy="261482"/>
+            <a:off x="13451063" y="7840532"/>
+            <a:ext cx="2284237" cy="261482"/>
           </a:xfrm>
           <a:prstGeom prst="rect">
             <a:avLst/>
@@ -9548,8 +9546,8 @@
         </p:nvSpPr>
         <p:spPr>
           <a:xfrm>
-            <a:off x="8457748" y="5697483"/>
-            <a:ext cx="3908387" cy="276999"/>
+            <a:off x="7966094" y="5697484"/>
+            <a:ext cx="4400041" cy="276999"/>
           </a:xfrm>
           <a:prstGeom prst="rect">
             <a:avLst/>
@@ -9621,7 +9619,7 @@
         </p:nvSpPr>
         <p:spPr bwMode="auto">
           <a:xfrm>
-            <a:off x="9130889" y="14137055"/>
+            <a:off x="9145403" y="14137055"/>
             <a:ext cx="3100934" cy="973541"/>
           </a:xfrm>
           <a:prstGeom prst="rect">
@@ -9757,7 +9755,7 @@
                 <a:ea typeface="Calibri" panose="020F0502020204030204" pitchFamily="34" charset="0"/>
                 <a:cs typeface="Times New Roman" panose="02020603050405020304" pitchFamily="18" charset="0"/>
               </a:rPr>
-              <a:t>Create input fur ML tree building</a:t>
+              <a:t>Create input for ML tree building</a:t>
             </a:r>
           </a:p>
         </p:txBody>
@@ -9854,7 +9852,7 @@
         </p:nvSpPr>
         <p:spPr bwMode="auto">
           <a:xfrm>
-            <a:off x="5276244" y="14139318"/>
+            <a:off x="5305272" y="14139318"/>
             <a:ext cx="3156973" cy="973541"/>
           </a:xfrm>
           <a:prstGeom prst="rect">
@@ -10150,9 +10148,9 @@
           <p:nvPr/>
         </p:nvCxnSpPr>
         <p:spPr>
-          <a:xfrm flipH="1">
-            <a:off x="7953801" y="12396721"/>
-            <a:ext cx="7526" cy="564800"/>
+          <a:xfrm>
+            <a:off x="6875477" y="12377669"/>
+            <a:ext cx="0" cy="600658"/>
           </a:xfrm>
           <a:prstGeom prst="straightConnector1">
             <a:avLst/>
@@ -10368,8 +10366,8 @@
         </p:nvCxnSpPr>
         <p:spPr>
           <a:xfrm>
-            <a:off x="11832780" y="10641456"/>
-            <a:ext cx="1795908" cy="0"/>
+            <a:off x="11852049" y="10641456"/>
+            <a:ext cx="1776639" cy="0"/>
           </a:xfrm>
           <a:prstGeom prst="straightConnector1">
             <a:avLst/>
@@ -10473,8 +10471,8 @@
         </p:nvCxnSpPr>
         <p:spPr>
           <a:xfrm>
-            <a:off x="10619371" y="13691118"/>
-            <a:ext cx="0" cy="442926"/>
+            <a:off x="10619371" y="13686971"/>
+            <a:ext cx="0" cy="447073"/>
           </a:xfrm>
           <a:prstGeom prst="straightConnector1">
             <a:avLst/>
@@ -10507,8 +10505,8 @@
         </p:nvCxnSpPr>
         <p:spPr>
           <a:xfrm>
-            <a:off x="6817149" y="13691118"/>
-            <a:ext cx="0" cy="442926"/>
+            <a:off x="6880649" y="13239809"/>
+            <a:ext cx="0" cy="894235"/>
           </a:xfrm>
           <a:prstGeom prst="straightConnector1">
             <a:avLst/>
@@ -10541,8 +10539,8 @@
         </p:nvCxnSpPr>
         <p:spPr>
           <a:xfrm>
-            <a:off x="2964544" y="13691118"/>
-            <a:ext cx="0" cy="442926"/>
+            <a:off x="2964544" y="13665200"/>
+            <a:ext cx="0" cy="468844"/>
           </a:xfrm>
           <a:prstGeom prst="straightConnector1">
             <a:avLst/>
@@ -10577,47 +10575,6 @@
           <a:xfrm>
             <a:off x="2972043" y="13667943"/>
             <a:ext cx="7640972" cy="0"/>
-          </a:xfrm>
-          <a:prstGeom prst="line">
-            <a:avLst/>
-          </a:prstGeom>
-          <a:ln w="19050">
-            <a:solidFill>
-              <a:srgbClr val="FF0000"/>
-            </a:solidFill>
-          </a:ln>
-        </p:spPr>
-        <p:style>
-          <a:lnRef idx="1">
-            <a:schemeClr val="accent1"/>
-          </a:lnRef>
-          <a:fillRef idx="0">
-            <a:schemeClr val="accent1"/>
-          </a:fillRef>
-          <a:effectRef idx="0">
-            <a:schemeClr val="accent1"/>
-          </a:effectRef>
-          <a:fontRef idx="minor">
-            <a:schemeClr val="tx1"/>
-          </a:fontRef>
-        </p:style>
-      </p:cxnSp>
-      <p:cxnSp>
-        <p:nvCxnSpPr>
-          <p:cNvPr id="259" name="Straight Connector 258">
-            <a:extLst>
-              <a:ext uri="{FF2B5EF4-FFF2-40B4-BE49-F238E27FC236}">
-                <a16:creationId xmlns:a16="http://schemas.microsoft.com/office/drawing/2014/main" id="{3DD908DD-CB38-69B8-149C-E80ED6EBE620}"/>
-              </a:ext>
-            </a:extLst>
-          </p:cNvPr>
-          <p:cNvCxnSpPr/>
-          <p:nvPr/>
-        </p:nvCxnSpPr>
-        <p:spPr>
-          <a:xfrm>
-            <a:off x="7966094" y="13254578"/>
-            <a:ext cx="0" cy="418867"/>
           </a:xfrm>
           <a:prstGeom prst="line">
             <a:avLst/>
@@ -10874,6 +10831,43 @@
                 </a:schemeClr>
               </a:solidFill>
             </a:endParaRPr>
+          </a:p>
+        </p:txBody>
+      </p:sp>
+      <p:sp>
+        <p:nvSpPr>
+          <p:cNvPr id="232" name="TextBox 231">
+            <a:extLst>
+              <a:ext uri="{FF2B5EF4-FFF2-40B4-BE49-F238E27FC236}">
+                <a16:creationId xmlns:a16="http://schemas.microsoft.com/office/drawing/2014/main" id="{1F2FC5A9-7976-37FB-2599-12A452691DAC}"/>
+              </a:ext>
+            </a:extLst>
+          </p:cNvPr>
+          <p:cNvSpPr txBox="1"/>
+          <p:nvPr/>
+        </p:nvSpPr>
+        <p:spPr>
+          <a:xfrm>
+            <a:off x="8457745" y="5445160"/>
+            <a:ext cx="3908387" cy="276999"/>
+          </a:xfrm>
+          <a:prstGeom prst="rect">
+            <a:avLst/>
+          </a:prstGeom>
+          <a:noFill/>
+        </p:spPr>
+        <p:txBody>
+          <a:bodyPr wrap="square" rtlCol="0">
+            <a:spAutoFit/>
+          </a:bodyPr>
+          <a:lstStyle/>
+          <a:p>
+            <a:pPr algn="r"/>
+            <a:r>
+              <a:rPr lang="en-GB" sz="1200" dirty="0"/>
+              <a:t>UNTIL HERE, OUTPUT FILES ARE PER INDIVIDUAL </a:t>
+            </a:r>
+            <a:endParaRPr lang="LID4096" sz="1200" dirty="0"/>
           </a:p>
         </p:txBody>
       </p:sp>

--- a/GenotypeCalling_RouteMap.pptx
+++ b/GenotypeCalling_RouteMap.pptx
@@ -197,7 +197,7 @@
           <a:p>
             <a:fld id="{B41B6219-C1ED-428F-B81A-B6A035A6C858}" type="datetimeFigureOut">
               <a:rPr lang="LID4096" smtClean="0"/>
-              <a:t>03/19/2025</a:t>
+              <a:t>04/09/2025</a:t>
             </a:fld>
             <a:endParaRPr lang="LID4096"/>
           </a:p>
@@ -685,7 +685,7 @@
           <a:p>
             <a:fld id="{805267E5-C4E8-461F-A01C-7BDA19FE0128}" type="datetimeFigureOut">
               <a:rPr lang="LID4096" smtClean="0"/>
-              <a:t>03/19/2025</a:t>
+              <a:t>04/09/2025</a:t>
             </a:fld>
             <a:endParaRPr lang="LID4096"/>
           </a:p>
@@ -855,7 +855,7 @@
           <a:p>
             <a:fld id="{805267E5-C4E8-461F-A01C-7BDA19FE0128}" type="datetimeFigureOut">
               <a:rPr lang="LID4096" smtClean="0"/>
-              <a:t>03/19/2025</a:t>
+              <a:t>04/09/2025</a:t>
             </a:fld>
             <a:endParaRPr lang="LID4096"/>
           </a:p>
@@ -1035,7 +1035,7 @@
           <a:p>
             <a:fld id="{805267E5-C4E8-461F-A01C-7BDA19FE0128}" type="datetimeFigureOut">
               <a:rPr lang="LID4096" smtClean="0"/>
-              <a:t>03/19/2025</a:t>
+              <a:t>04/09/2025</a:t>
             </a:fld>
             <a:endParaRPr lang="LID4096"/>
           </a:p>
@@ -1205,7 +1205,7 @@
           <a:p>
             <a:fld id="{805267E5-C4E8-461F-A01C-7BDA19FE0128}" type="datetimeFigureOut">
               <a:rPr lang="LID4096" smtClean="0"/>
-              <a:t>03/19/2025</a:t>
+              <a:t>04/09/2025</a:t>
             </a:fld>
             <a:endParaRPr lang="LID4096"/>
           </a:p>
@@ -1449,7 +1449,7 @@
           <a:p>
             <a:fld id="{805267E5-C4E8-461F-A01C-7BDA19FE0128}" type="datetimeFigureOut">
               <a:rPr lang="LID4096" smtClean="0"/>
-              <a:t>03/19/2025</a:t>
+              <a:t>04/09/2025</a:t>
             </a:fld>
             <a:endParaRPr lang="LID4096"/>
           </a:p>
@@ -1681,7 +1681,7 @@
           <a:p>
             <a:fld id="{805267E5-C4E8-461F-A01C-7BDA19FE0128}" type="datetimeFigureOut">
               <a:rPr lang="LID4096" smtClean="0"/>
-              <a:t>03/19/2025</a:t>
+              <a:t>04/09/2025</a:t>
             </a:fld>
             <a:endParaRPr lang="LID4096"/>
           </a:p>
@@ -2048,7 +2048,7 @@
           <a:p>
             <a:fld id="{805267E5-C4E8-461F-A01C-7BDA19FE0128}" type="datetimeFigureOut">
               <a:rPr lang="LID4096" smtClean="0"/>
-              <a:t>03/19/2025</a:t>
+              <a:t>04/09/2025</a:t>
             </a:fld>
             <a:endParaRPr lang="LID4096"/>
           </a:p>
@@ -2166,7 +2166,7 @@
           <a:p>
             <a:fld id="{805267E5-C4E8-461F-A01C-7BDA19FE0128}" type="datetimeFigureOut">
               <a:rPr lang="LID4096" smtClean="0"/>
-              <a:t>03/19/2025</a:t>
+              <a:t>04/09/2025</a:t>
             </a:fld>
             <a:endParaRPr lang="LID4096"/>
           </a:p>
@@ -2261,7 +2261,7 @@
           <a:p>
             <a:fld id="{805267E5-C4E8-461F-A01C-7BDA19FE0128}" type="datetimeFigureOut">
               <a:rPr lang="LID4096" smtClean="0"/>
-              <a:t>03/19/2025</a:t>
+              <a:t>04/09/2025</a:t>
             </a:fld>
             <a:endParaRPr lang="LID4096"/>
           </a:p>
@@ -2538,7 +2538,7 @@
           <a:p>
             <a:fld id="{805267E5-C4E8-461F-A01C-7BDA19FE0128}" type="datetimeFigureOut">
               <a:rPr lang="LID4096" smtClean="0"/>
-              <a:t>03/19/2025</a:t>
+              <a:t>04/09/2025</a:t>
             </a:fld>
             <a:endParaRPr lang="LID4096"/>
           </a:p>
@@ -2795,7 +2795,7 @@
           <a:p>
             <a:fld id="{805267E5-C4E8-461F-A01C-7BDA19FE0128}" type="datetimeFigureOut">
               <a:rPr lang="LID4096" smtClean="0"/>
-              <a:t>03/19/2025</a:t>
+              <a:t>04/09/2025</a:t>
             </a:fld>
             <a:endParaRPr lang="LID4096"/>
           </a:p>
@@ -3008,7 +3008,7 @@
           <a:p>
             <a:fld id="{805267E5-C4E8-461F-A01C-7BDA19FE0128}" type="datetimeFigureOut">
               <a:rPr lang="LID4096" smtClean="0"/>
-              <a:t>03/19/2025</a:t>
+              <a:t>04/09/2025</a:t>
             </a:fld>
             <a:endParaRPr lang="LID4096"/>
           </a:p>
@@ -8024,8 +8024,8 @@
         </p:nvSpPr>
         <p:spPr bwMode="auto">
           <a:xfrm>
-            <a:off x="1378036" y="14134047"/>
-            <a:ext cx="3129963" cy="973541"/>
+            <a:off x="12662049" y="9463067"/>
+            <a:ext cx="3264064" cy="670384"/>
           </a:xfrm>
           <a:prstGeom prst="rect">
             <a:avLst/>
@@ -8498,7 +8498,7 @@
         </p:nvSpPr>
         <p:spPr bwMode="auto">
           <a:xfrm>
-            <a:off x="12662050" y="11019551"/>
+            <a:off x="12662050" y="11382405"/>
             <a:ext cx="3242822" cy="1027273"/>
           </a:xfrm>
           <a:prstGeom prst="rect">
@@ -8577,7 +8577,7 @@
         </p:nvCxnSpPr>
         <p:spPr>
           <a:xfrm>
-            <a:off x="11582177" y="11846406"/>
+            <a:off x="11605869" y="12223777"/>
             <a:ext cx="2069875" cy="0"/>
           </a:xfrm>
           <a:prstGeom prst="straightConnector1">
@@ -8907,7 +8907,7 @@
         </p:nvSpPr>
         <p:spPr bwMode="auto">
           <a:xfrm>
-            <a:off x="14673335" y="12617720"/>
+            <a:off x="14673335" y="12559664"/>
             <a:ext cx="1132132" cy="493196"/>
           </a:xfrm>
           <a:prstGeom prst="rect">
@@ -8970,7 +8970,7 @@
         </p:nvSpPr>
         <p:spPr bwMode="auto">
           <a:xfrm>
-            <a:off x="13652508" y="11677850"/>
+            <a:off x="13652508" y="12040704"/>
             <a:ext cx="2114550" cy="261482"/>
           </a:xfrm>
           <a:prstGeom prst="rect">
@@ -9036,13 +9036,14 @@
           </p:cNvPr>
           <p:cNvCxnSpPr>
             <a:cxnSpLocks/>
+            <a:stCxn id="173" idx="2"/>
           </p:cNvCxnSpPr>
           <p:nvPr/>
         </p:nvCxnSpPr>
         <p:spPr>
           <a:xfrm>
-            <a:off x="14713402" y="11937483"/>
-            <a:ext cx="0" cy="1040844"/>
+            <a:off x="14709783" y="12302186"/>
+            <a:ext cx="3619" cy="676141"/>
           </a:xfrm>
           <a:prstGeom prst="straightConnector1">
             <a:avLst/>
@@ -9700,7 +9701,7 @@
         </p:nvSpPr>
         <p:spPr bwMode="auto">
           <a:xfrm>
-            <a:off x="12622851" y="8631544"/>
+            <a:off x="12622851" y="8355774"/>
             <a:ext cx="3290916" cy="973541"/>
           </a:xfrm>
           <a:prstGeom prst="rect">
@@ -9776,7 +9777,7 @@
         </p:nvSpPr>
         <p:spPr bwMode="auto">
           <a:xfrm>
-            <a:off x="12640807" y="9842024"/>
+            <a:off x="12649705" y="10260754"/>
             <a:ext cx="3264064" cy="973541"/>
           </a:xfrm>
           <a:prstGeom prst="rect">
@@ -10183,7 +10184,7 @@
         </p:nvSpPr>
         <p:spPr bwMode="auto">
           <a:xfrm>
-            <a:off x="13635146" y="9244977"/>
+            <a:off x="13635146" y="8969207"/>
             <a:ext cx="2114550" cy="261482"/>
           </a:xfrm>
           <a:prstGeom prst="rect">
@@ -10254,7 +10255,7 @@
         </p:nvCxnSpPr>
         <p:spPr>
           <a:xfrm>
-            <a:off x="11596691" y="9375718"/>
+            <a:off x="11613126" y="9073144"/>
             <a:ext cx="2055361" cy="0"/>
           </a:xfrm>
           <a:prstGeom prst="straightConnector1">
@@ -10288,8 +10289,8 @@
         </p:nvCxnSpPr>
         <p:spPr>
           <a:xfrm flipV="1">
-            <a:off x="11596688" y="9375718"/>
-            <a:ext cx="0" cy="1138590"/>
+            <a:off x="11596688" y="9059139"/>
+            <a:ext cx="0" cy="1455169"/>
           </a:xfrm>
           <a:prstGeom prst="line">
             <a:avLst/>
@@ -10328,7 +10329,7 @@
         <p:spPr>
           <a:xfrm flipV="1">
             <a:off x="11590157" y="10775791"/>
-            <a:ext cx="0" cy="1058560"/>
+            <a:ext cx="0" cy="1459752"/>
           </a:xfrm>
           <a:prstGeom prst="line">
             <a:avLst/>
@@ -10366,8 +10367,8 @@
         </p:nvCxnSpPr>
         <p:spPr>
           <a:xfrm>
-            <a:off x="11852049" y="10641456"/>
-            <a:ext cx="1776639" cy="0"/>
+            <a:off x="11596914" y="11033342"/>
+            <a:ext cx="2031774" cy="0"/>
           </a:xfrm>
           <a:prstGeom prst="straightConnector1">
             <a:avLst/>
@@ -10400,7 +10401,7 @@
         </p:nvSpPr>
         <p:spPr bwMode="auto">
           <a:xfrm>
-            <a:off x="13627507" y="10472615"/>
+            <a:off x="13627507" y="10879011"/>
             <a:ext cx="2114550" cy="261482"/>
           </a:xfrm>
           <a:prstGeom prst="rect">
@@ -10868,6 +10869,116 @@
               <a:t>UNTIL HERE, OUTPUT FILES ARE PER INDIVIDUAL </a:t>
             </a:r>
             <a:endParaRPr lang="LID4096" sz="1200" dirty="0"/>
+          </a:p>
+        </p:txBody>
+      </p:sp>
+      <p:cxnSp>
+        <p:nvCxnSpPr>
+          <p:cNvPr id="228" name="Straight Arrow Connector 227">
+            <a:extLst>
+              <a:ext uri="{FF2B5EF4-FFF2-40B4-BE49-F238E27FC236}">
+                <a16:creationId xmlns:a16="http://schemas.microsoft.com/office/drawing/2014/main" id="{46C1E0B7-7B83-A73E-24BC-4950970046A5}"/>
+              </a:ext>
+            </a:extLst>
+          </p:cNvPr>
+          <p:cNvCxnSpPr>
+            <a:cxnSpLocks/>
+          </p:cNvCxnSpPr>
+          <p:nvPr/>
+        </p:nvCxnSpPr>
+        <p:spPr>
+          <a:xfrm>
+            <a:off x="11610406" y="9792370"/>
+            <a:ext cx="1080000" cy="0"/>
+          </a:xfrm>
+          <a:prstGeom prst="straightConnector1">
+            <a:avLst/>
+          </a:prstGeom>
+          <a:noFill/>
+          <a:ln w="19050" cap="flat" cmpd="sng" algn="ctr">
+            <a:solidFill>
+              <a:srgbClr val="0070C0"/>
+            </a:solidFill>
+            <a:prstDash val="solid"/>
+            <a:miter lim="800000"/>
+            <a:tailEnd type="triangle"/>
+          </a:ln>
+          <a:effectLst/>
+        </p:spPr>
+      </p:cxnSp>
+      <p:sp>
+        <p:nvSpPr>
+          <p:cNvPr id="229" name="Text Box 33">
+            <a:extLst>
+              <a:ext uri="{FF2B5EF4-FFF2-40B4-BE49-F238E27FC236}">
+                <a16:creationId xmlns:a16="http://schemas.microsoft.com/office/drawing/2014/main" id="{2EEF582A-B740-155E-5442-F5D5FD9CD6DB}"/>
+              </a:ext>
+            </a:extLst>
+          </p:cNvPr>
+          <p:cNvSpPr txBox="1">
+            <a:spLocks noChangeArrowheads="1"/>
+          </p:cNvSpPr>
+          <p:nvPr/>
+        </p:nvSpPr>
+        <p:spPr bwMode="auto">
+          <a:xfrm>
+            <a:off x="1324712" y="14150871"/>
+            <a:ext cx="3156973" cy="973541"/>
+          </a:xfrm>
+          <a:prstGeom prst="rect">
+            <a:avLst/>
+          </a:prstGeom>
+          <a:solidFill>
+            <a:schemeClr val="bg1">
+              <a:lumMod val="95000"/>
+            </a:schemeClr>
+          </a:solidFill>
+          <a:ln>
+            <a:noFill/>
+          </a:ln>
+        </p:spPr>
+        <p:txBody>
+          <a:bodyPr vert="horz" wrap="square" lIns="91440" tIns="45720" rIns="91440" bIns="45720" numCol="1" anchor="t" anchorCtr="0" compatLnSpc="1">
+            <a:prstTxWarp prst="textNoShape">
+              <a:avLst/>
+            </a:prstTxWarp>
+          </a:bodyPr>
+          <a:lstStyle/>
+          <a:p>
+            <a:pPr defTabSz="914410" eaLnBrk="0" fontAlgn="base" hangingPunct="0">
+              <a:spcBef>
+                <a:spcPct val="0"/>
+              </a:spcBef>
+              <a:spcAft>
+                <a:spcPct val="0"/>
+              </a:spcAft>
+            </a:pPr>
+            <a:r>
+              <a:rPr lang="en-GB" altLang="LID4096" b="1" i="1" dirty="0">
+                <a:latin typeface="Calibri" panose="020F0502020204030204" pitchFamily="34" charset="0"/>
+                <a:ea typeface="Calibri" panose="020F0502020204030204" pitchFamily="34" charset="0"/>
+                <a:cs typeface="Times New Roman" panose="02020603050405020304" pitchFamily="18" charset="0"/>
+              </a:rPr>
+              <a:t>VCF_EEMS.sh</a:t>
+            </a:r>
+          </a:p>
+          <a:p>
+            <a:pPr defTabSz="914410" eaLnBrk="0" fontAlgn="base" hangingPunct="0">
+              <a:spcBef>
+                <a:spcPct val="0"/>
+              </a:spcBef>
+              <a:spcAft>
+                <a:spcPct val="0"/>
+              </a:spcAft>
+            </a:pPr>
+            <a:r>
+              <a:rPr lang="en-GB" altLang="LID4096" dirty="0">
+                <a:latin typeface="Calibri" panose="020F0502020204030204" pitchFamily="34" charset="0"/>
+                <a:ea typeface="Calibri" panose="020F0502020204030204" pitchFamily="34" charset="0"/>
+                <a:cs typeface="Times New Roman" panose="02020603050405020304" pitchFamily="18" charset="0"/>
+              </a:rPr>
+              <a:t>Migration patterns</a:t>
+            </a:r>
           </a:p>
         </p:txBody>
       </p:sp>

--- a/GenotypeCalling_RouteMap.pptx
+++ b/GenotypeCalling_RouteMap.pptx
@@ -197,7 +197,7 @@
           <a:p>
             <a:fld id="{B41B6219-C1ED-428F-B81A-B6A035A6C858}" type="datetimeFigureOut">
               <a:rPr lang="LID4096" smtClean="0"/>
-              <a:t>04/09/2025</a:t>
+              <a:t>04/14/2025</a:t>
             </a:fld>
             <a:endParaRPr lang="LID4096"/>
           </a:p>
@@ -685,7 +685,7 @@
           <a:p>
             <a:fld id="{805267E5-C4E8-461F-A01C-7BDA19FE0128}" type="datetimeFigureOut">
               <a:rPr lang="LID4096" smtClean="0"/>
-              <a:t>04/09/2025</a:t>
+              <a:t>04/14/2025</a:t>
             </a:fld>
             <a:endParaRPr lang="LID4096"/>
           </a:p>
@@ -855,7 +855,7 @@
           <a:p>
             <a:fld id="{805267E5-C4E8-461F-A01C-7BDA19FE0128}" type="datetimeFigureOut">
               <a:rPr lang="LID4096" smtClean="0"/>
-              <a:t>04/09/2025</a:t>
+              <a:t>04/14/2025</a:t>
             </a:fld>
             <a:endParaRPr lang="LID4096"/>
           </a:p>
@@ -1035,7 +1035,7 @@
           <a:p>
             <a:fld id="{805267E5-C4E8-461F-A01C-7BDA19FE0128}" type="datetimeFigureOut">
               <a:rPr lang="LID4096" smtClean="0"/>
-              <a:t>04/09/2025</a:t>
+              <a:t>04/14/2025</a:t>
             </a:fld>
             <a:endParaRPr lang="LID4096"/>
           </a:p>
@@ -1205,7 +1205,7 @@
           <a:p>
             <a:fld id="{805267E5-C4E8-461F-A01C-7BDA19FE0128}" type="datetimeFigureOut">
               <a:rPr lang="LID4096" smtClean="0"/>
-              <a:t>04/09/2025</a:t>
+              <a:t>04/14/2025</a:t>
             </a:fld>
             <a:endParaRPr lang="LID4096"/>
           </a:p>
@@ -1449,7 +1449,7 @@
           <a:p>
             <a:fld id="{805267E5-C4E8-461F-A01C-7BDA19FE0128}" type="datetimeFigureOut">
               <a:rPr lang="LID4096" smtClean="0"/>
-              <a:t>04/09/2025</a:t>
+              <a:t>04/14/2025</a:t>
             </a:fld>
             <a:endParaRPr lang="LID4096"/>
           </a:p>
@@ -1681,7 +1681,7 @@
           <a:p>
             <a:fld id="{805267E5-C4E8-461F-A01C-7BDA19FE0128}" type="datetimeFigureOut">
               <a:rPr lang="LID4096" smtClean="0"/>
-              <a:t>04/09/2025</a:t>
+              <a:t>04/14/2025</a:t>
             </a:fld>
             <a:endParaRPr lang="LID4096"/>
           </a:p>
@@ -2048,7 +2048,7 @@
           <a:p>
             <a:fld id="{805267E5-C4E8-461F-A01C-7BDA19FE0128}" type="datetimeFigureOut">
               <a:rPr lang="LID4096" smtClean="0"/>
-              <a:t>04/09/2025</a:t>
+              <a:t>04/14/2025</a:t>
             </a:fld>
             <a:endParaRPr lang="LID4096"/>
           </a:p>
@@ -2166,7 +2166,7 @@
           <a:p>
             <a:fld id="{805267E5-C4E8-461F-A01C-7BDA19FE0128}" type="datetimeFigureOut">
               <a:rPr lang="LID4096" smtClean="0"/>
-              <a:t>04/09/2025</a:t>
+              <a:t>04/14/2025</a:t>
             </a:fld>
             <a:endParaRPr lang="LID4096"/>
           </a:p>
@@ -2261,7 +2261,7 @@
           <a:p>
             <a:fld id="{805267E5-C4E8-461F-A01C-7BDA19FE0128}" type="datetimeFigureOut">
               <a:rPr lang="LID4096" smtClean="0"/>
-              <a:t>04/09/2025</a:t>
+              <a:t>04/14/2025</a:t>
             </a:fld>
             <a:endParaRPr lang="LID4096"/>
           </a:p>
@@ -2538,7 +2538,7 @@
           <a:p>
             <a:fld id="{805267E5-C4E8-461F-A01C-7BDA19FE0128}" type="datetimeFigureOut">
               <a:rPr lang="LID4096" smtClean="0"/>
-              <a:t>04/09/2025</a:t>
+              <a:t>04/14/2025</a:t>
             </a:fld>
             <a:endParaRPr lang="LID4096"/>
           </a:p>
@@ -2795,7 +2795,7 @@
           <a:p>
             <a:fld id="{805267E5-C4E8-461F-A01C-7BDA19FE0128}" type="datetimeFigureOut">
               <a:rPr lang="LID4096" smtClean="0"/>
-              <a:t>04/09/2025</a:t>
+              <a:t>04/14/2025</a:t>
             </a:fld>
             <a:endParaRPr lang="LID4096"/>
           </a:p>
@@ -3008,7 +3008,7 @@
           <a:p>
             <a:fld id="{805267E5-C4E8-461F-A01C-7BDA19FE0128}" type="datetimeFigureOut">
               <a:rPr lang="LID4096" smtClean="0"/>
-              <a:t>04/09/2025</a:t>
+              <a:t>04/14/2025</a:t>
             </a:fld>
             <a:endParaRPr lang="LID4096"/>
           </a:p>
@@ -6544,8 +6544,8 @@
         </p:nvCxnSpPr>
         <p:spPr>
           <a:xfrm>
-            <a:off x="7966094" y="10797118"/>
-            <a:ext cx="0" cy="1296000"/>
+            <a:off x="7966094" y="10809818"/>
+            <a:ext cx="0" cy="1301834"/>
           </a:xfrm>
           <a:prstGeom prst="straightConnector1">
             <a:avLst/>
@@ -6578,7 +6578,7 @@
         </p:nvSpPr>
         <p:spPr bwMode="auto">
           <a:xfrm>
-            <a:off x="5423940" y="12978327"/>
+            <a:off x="4449546" y="12962573"/>
             <a:ext cx="3071814" cy="261482"/>
           </a:xfrm>
           <a:prstGeom prst="rect">
@@ -6962,7 +6962,7 @@
         </p:nvSpPr>
         <p:spPr bwMode="auto">
           <a:xfrm>
-            <a:off x="5077574" y="12520792"/>
+            <a:off x="4074274" y="12546192"/>
             <a:ext cx="1977596" cy="208764"/>
           </a:xfrm>
           <a:prstGeom prst="rect">
@@ -7057,9 +7057,9 @@
           <p:nvPr/>
         </p:nvCxnSpPr>
         <p:spPr>
-          <a:xfrm flipV="1">
-            <a:off x="8475156" y="13126248"/>
-            <a:ext cx="1242595" cy="0"/>
+          <a:xfrm>
+            <a:off x="7521360" y="13131414"/>
+            <a:ext cx="2196391" cy="0"/>
           </a:xfrm>
           <a:prstGeom prst="straightConnector1">
             <a:avLst/>
@@ -9620,7 +9620,7 @@
         </p:nvSpPr>
         <p:spPr bwMode="auto">
           <a:xfrm>
-            <a:off x="9145403" y="14137055"/>
+            <a:off x="4767964" y="14159398"/>
             <a:ext cx="3100934" cy="973541"/>
           </a:xfrm>
           <a:prstGeom prst="rect">
@@ -9853,7 +9853,7 @@
         </p:nvSpPr>
         <p:spPr bwMode="auto">
           <a:xfrm>
-            <a:off x="5305272" y="14139318"/>
+            <a:off x="9096453" y="14161042"/>
             <a:ext cx="3156973" cy="973541"/>
           </a:xfrm>
           <a:prstGeom prst="rect">
@@ -10150,7 +10150,7 @@
         </p:nvCxnSpPr>
         <p:spPr>
           <a:xfrm>
-            <a:off x="6875477" y="12377669"/>
+            <a:off x="5872177" y="12377669"/>
             <a:ext cx="0" cy="600658"/>
           </a:xfrm>
           <a:prstGeom prst="straightConnector1">
@@ -10483,7 +10483,7 @@
             <a:solidFill>
               <a:srgbClr val="FF0000"/>
             </a:solidFill>
-            <a:prstDash val="solid"/>
+            <a:prstDash val="dash"/>
             <a:miter lim="800000"/>
             <a:tailEnd type="triangle"/>
           </a:ln>
@@ -10506,7 +10506,7 @@
         </p:nvCxnSpPr>
         <p:spPr>
           <a:xfrm>
-            <a:off x="6880649" y="13239809"/>
+            <a:off x="5864974" y="13254578"/>
             <a:ext cx="0" cy="894235"/>
           </a:xfrm>
           <a:prstGeom prst="straightConnector1">
@@ -10574,8 +10574,8 @@
         </p:nvCxnSpPr>
         <p:spPr>
           <a:xfrm>
-            <a:off x="2972043" y="13667943"/>
-            <a:ext cx="7640972" cy="0"/>
+            <a:off x="7966094" y="13680643"/>
+            <a:ext cx="2646921" cy="0"/>
           </a:xfrm>
           <a:prstGeom prst="line">
             <a:avLst/>
@@ -10584,6 +10584,7 @@
             <a:solidFill>
               <a:srgbClr val="FF0000"/>
             </a:solidFill>
+            <a:prstDash val="dash"/>
           </a:ln>
         </p:spPr>
         <p:style>
@@ -10982,6 +10983,127 @@
           </a:p>
         </p:txBody>
       </p:sp>
+      <p:cxnSp>
+        <p:nvCxnSpPr>
+          <p:cNvPr id="25" name="Straight Connector 24">
+            <a:extLst>
+              <a:ext uri="{FF2B5EF4-FFF2-40B4-BE49-F238E27FC236}">
+                <a16:creationId xmlns:a16="http://schemas.microsoft.com/office/drawing/2014/main" id="{E4943342-0B59-90DC-8FA1-A0458C0D895D}"/>
+              </a:ext>
+            </a:extLst>
+          </p:cNvPr>
+          <p:cNvCxnSpPr>
+            <a:cxnSpLocks/>
+          </p:cNvCxnSpPr>
+          <p:nvPr/>
+        </p:nvCxnSpPr>
+        <p:spPr>
+          <a:xfrm flipV="1">
+            <a:off x="7966094" y="12365729"/>
+            <a:ext cx="0" cy="1286771"/>
+          </a:xfrm>
+          <a:prstGeom prst="line">
+            <a:avLst/>
+          </a:prstGeom>
+          <a:ln w="19050">
+            <a:solidFill>
+              <a:srgbClr val="FF0000"/>
+            </a:solidFill>
+            <a:prstDash val="dash"/>
+          </a:ln>
+        </p:spPr>
+        <p:style>
+          <a:lnRef idx="1">
+            <a:schemeClr val="accent1"/>
+          </a:lnRef>
+          <a:fillRef idx="0">
+            <a:schemeClr val="accent1"/>
+          </a:fillRef>
+          <a:effectRef idx="0">
+            <a:schemeClr val="accent1"/>
+          </a:effectRef>
+          <a:fontRef idx="minor">
+            <a:schemeClr val="tx1"/>
+          </a:fontRef>
+        </p:style>
+      </p:cxnSp>
+      <p:cxnSp>
+        <p:nvCxnSpPr>
+          <p:cNvPr id="31" name="Straight Connector 30">
+            <a:extLst>
+              <a:ext uri="{FF2B5EF4-FFF2-40B4-BE49-F238E27FC236}">
+                <a16:creationId xmlns:a16="http://schemas.microsoft.com/office/drawing/2014/main" id="{8DEF4F2A-FEF0-8D69-A828-9B67AFAED55C}"/>
+              </a:ext>
+            </a:extLst>
+          </p:cNvPr>
+          <p:cNvCxnSpPr>
+            <a:cxnSpLocks/>
+          </p:cNvCxnSpPr>
+          <p:nvPr/>
+        </p:nvCxnSpPr>
+        <p:spPr>
+          <a:xfrm>
+            <a:off x="2959100" y="13680643"/>
+            <a:ext cx="2905874" cy="0"/>
+          </a:xfrm>
+          <a:prstGeom prst="line">
+            <a:avLst/>
+          </a:prstGeom>
+          <a:ln w="19050">
+            <a:solidFill>
+              <a:srgbClr val="FF0000"/>
+            </a:solidFill>
+          </a:ln>
+        </p:spPr>
+        <p:style>
+          <a:lnRef idx="1">
+            <a:schemeClr val="accent1"/>
+          </a:lnRef>
+          <a:fillRef idx="0">
+            <a:schemeClr val="accent1"/>
+          </a:fillRef>
+          <a:effectRef idx="0">
+            <a:schemeClr val="accent1"/>
+          </a:effectRef>
+          <a:fontRef idx="minor">
+            <a:schemeClr val="tx1"/>
+          </a:fontRef>
+        </p:style>
+      </p:cxnSp>
+      <p:cxnSp>
+        <p:nvCxnSpPr>
+          <p:cNvPr id="230" name="Straight Arrow Connector 229">
+            <a:extLst>
+              <a:ext uri="{FF2B5EF4-FFF2-40B4-BE49-F238E27FC236}">
+                <a16:creationId xmlns:a16="http://schemas.microsoft.com/office/drawing/2014/main" id="{BE261E3F-F327-A694-12D2-7516FF686A9D}"/>
+              </a:ext>
+            </a:extLst>
+          </p:cNvPr>
+          <p:cNvCxnSpPr>
+            <a:cxnSpLocks/>
+          </p:cNvCxnSpPr>
+          <p:nvPr/>
+        </p:nvCxnSpPr>
+        <p:spPr>
+          <a:xfrm flipH="1">
+            <a:off x="5864974" y="13676830"/>
+            <a:ext cx="2088508" cy="0"/>
+          </a:xfrm>
+          <a:prstGeom prst="straightConnector1">
+            <a:avLst/>
+          </a:prstGeom>
+          <a:noFill/>
+          <a:ln w="19050" cap="flat" cmpd="sng" algn="ctr">
+            <a:solidFill>
+              <a:srgbClr val="FF0000"/>
+            </a:solidFill>
+            <a:prstDash val="dash"/>
+            <a:miter lim="800000"/>
+            <a:tailEnd type="triangle"/>
+          </a:ln>
+          <a:effectLst/>
+        </p:spPr>
+      </p:cxnSp>
     </p:spTree>
     <p:extLst>
       <p:ext uri="{BB962C8B-B14F-4D97-AF65-F5344CB8AC3E}">
